--- a/HighCondRepresentativeModelTests/HighCondModels_CommonInputs/Output/Plots/SDprox2PoolSchematic.pptx
+++ b/HighCondRepresentativeModelTests/HighCondModels_CommonInputs/Output/Plots/SDprox2PoolSchematic.pptx
@@ -109,7 +109,7 @@
   </p:defaultTextStyle>
   <p:extLst>
     <p:ext uri="{EFAFB233-063F-42B5-8137-9DF3F51BA10A}">
-      <p15:sldGuideLst xmlns:p15="http://schemas.microsoft.com/office/powerpoint/2012/main"/>
+      <p15:sldGuideLst xmlns:p15="http://schemas.microsoft.com/office/powerpoint/2012/main" xmlns=""/>
     </p:ext>
   </p:extLst>
 </p:presentation>
@@ -197,7 +197,7 @@
           <a:p>
             <a:fld id="{0A855AC0-5034-B744-92E4-B9ACE8678C78}" type="datetimeFigureOut">
               <a:rPr lang="en-US" smtClean="0"/>
-              <a:t>9/6/17</a:t>
+              <a:t>2/1/2018</a:t>
             </a:fld>
             <a:endParaRPr lang="en-US"/>
           </a:p>
@@ -680,7 +680,7 @@
           <a:p>
             <a:fld id="{13B4EEC1-59A0-6147-A616-EE74AE21FFF0}" type="datetimeFigureOut">
               <a:rPr lang="en-US" smtClean="0"/>
-              <a:t>9/6/17</a:t>
+              <a:t>2/1/2018</a:t>
             </a:fld>
             <a:endParaRPr lang="en-US"/>
           </a:p>
@@ -845,7 +845,7 @@
           <a:p>
             <a:fld id="{13B4EEC1-59A0-6147-A616-EE74AE21FFF0}" type="datetimeFigureOut">
               <a:rPr lang="en-US" smtClean="0"/>
-              <a:t>9/6/17</a:t>
+              <a:t>2/1/2018</a:t>
             </a:fld>
             <a:endParaRPr lang="en-US"/>
           </a:p>
@@ -1020,7 +1020,7 @@
           <a:p>
             <a:fld id="{13B4EEC1-59A0-6147-A616-EE74AE21FFF0}" type="datetimeFigureOut">
               <a:rPr lang="en-US" smtClean="0"/>
-              <a:t>9/6/17</a:t>
+              <a:t>2/1/2018</a:t>
             </a:fld>
             <a:endParaRPr lang="en-US"/>
           </a:p>
@@ -1185,7 +1185,7 @@
           <a:p>
             <a:fld id="{13B4EEC1-59A0-6147-A616-EE74AE21FFF0}" type="datetimeFigureOut">
               <a:rPr lang="en-US" smtClean="0"/>
-              <a:t>9/6/17</a:t>
+              <a:t>2/1/2018</a:t>
             </a:fld>
             <a:endParaRPr lang="en-US"/>
           </a:p>
@@ -1424,7 +1424,7 @@
           <a:p>
             <a:fld id="{13B4EEC1-59A0-6147-A616-EE74AE21FFF0}" type="datetimeFigureOut">
               <a:rPr lang="en-US" smtClean="0"/>
-              <a:t>9/6/17</a:t>
+              <a:t>2/1/2018</a:t>
             </a:fld>
             <a:endParaRPr lang="en-US"/>
           </a:p>
@@ -1651,7 +1651,7 @@
           <a:p>
             <a:fld id="{13B4EEC1-59A0-6147-A616-EE74AE21FFF0}" type="datetimeFigureOut">
               <a:rPr lang="en-US" smtClean="0"/>
-              <a:t>9/6/17</a:t>
+              <a:t>2/1/2018</a:t>
             </a:fld>
             <a:endParaRPr lang="en-US"/>
           </a:p>
@@ -2013,7 +2013,7 @@
           <a:p>
             <a:fld id="{13B4EEC1-59A0-6147-A616-EE74AE21FFF0}" type="datetimeFigureOut">
               <a:rPr lang="en-US" smtClean="0"/>
-              <a:t>9/6/17</a:t>
+              <a:t>2/1/2018</a:t>
             </a:fld>
             <a:endParaRPr lang="en-US"/>
           </a:p>
@@ -2126,7 +2126,7 @@
           <a:p>
             <a:fld id="{13B4EEC1-59A0-6147-A616-EE74AE21FFF0}" type="datetimeFigureOut">
               <a:rPr lang="en-US" smtClean="0"/>
-              <a:t>9/6/17</a:t>
+              <a:t>2/1/2018</a:t>
             </a:fld>
             <a:endParaRPr lang="en-US"/>
           </a:p>
@@ -2216,7 +2216,7 @@
           <a:p>
             <a:fld id="{13B4EEC1-59A0-6147-A616-EE74AE21FFF0}" type="datetimeFigureOut">
               <a:rPr lang="en-US" smtClean="0"/>
-              <a:t>9/6/17</a:t>
+              <a:t>2/1/2018</a:t>
             </a:fld>
             <a:endParaRPr lang="en-US"/>
           </a:p>
@@ -2488,7 +2488,7 @@
           <a:p>
             <a:fld id="{13B4EEC1-59A0-6147-A616-EE74AE21FFF0}" type="datetimeFigureOut">
               <a:rPr lang="en-US" smtClean="0"/>
-              <a:t>9/6/17</a:t>
+              <a:t>2/1/2018</a:t>
             </a:fld>
             <a:endParaRPr lang="en-US"/>
           </a:p>
@@ -2740,7 +2740,7 @@
           <a:p>
             <a:fld id="{13B4EEC1-59A0-6147-A616-EE74AE21FFF0}" type="datetimeFigureOut">
               <a:rPr lang="en-US" smtClean="0"/>
-              <a:t>9/6/17</a:t>
+              <a:t>2/1/2018</a:t>
             </a:fld>
             <a:endParaRPr lang="en-US"/>
           </a:p>
@@ -2948,7 +2948,7 @@
           <a:p>
             <a:fld id="{13B4EEC1-59A0-6147-A616-EE74AE21FFF0}" type="datetimeFigureOut">
               <a:rPr lang="en-US" smtClean="0"/>
-              <a:t>9/6/17</a:t>
+              <a:t>2/1/2018</a:t>
             </a:fld>
             <a:endParaRPr lang="en-US"/>
           </a:p>
@@ -4175,14 +4175,14 @@
       </p:sp>
       <p:sp>
         <p:nvSpPr>
-          <p:cNvPr id="3" name="TextBox 2"/>
+          <p:cNvPr id="55" name="TextBox 54"/>
           <p:cNvSpPr txBox="1"/>
           <p:nvPr/>
         </p:nvSpPr>
         <p:spPr>
           <a:xfrm>
-            <a:off x="10301340" y="-242104"/>
-            <a:ext cx="8238474" cy="1034579"/>
+            <a:off x="9028117" y="3735550"/>
+            <a:ext cx="4042197" cy="830997"/>
           </a:xfrm>
           <a:prstGeom prst="rect">
             <a:avLst/>
@@ -4195,24 +4195,24 @@
           </a:bodyPr>
           <a:lstStyle/>
           <a:p>
-            <a:r>
-              <a:rPr lang="en-US" b="1" dirty="0" smtClean="0"/>
-              <a:t>High Excitatory Synapses</a:t>
-            </a:r>
-            <a:endParaRPr lang="en-US" b="1" dirty="0"/>
-          </a:p>
-        </p:txBody>
-      </p:sp>
-      <p:sp>
-        <p:nvSpPr>
-          <p:cNvPr id="52" name="TextBox 51"/>
+            <a:pPr algn="ctr"/>
+            <a:r>
+              <a:rPr lang="en-US" sz="4800" b="1" dirty="0" smtClean="0"/>
+              <a:t>None Available</a:t>
+            </a:r>
+          </a:p>
+        </p:txBody>
+      </p:sp>
+      <p:sp>
+        <p:nvSpPr>
+          <p:cNvPr id="56" name="TextBox 55"/>
           <p:cNvSpPr txBox="1"/>
           <p:nvPr/>
         </p:nvSpPr>
         <p:spPr>
           <a:xfrm>
-            <a:off x="10373059" y="27783115"/>
-            <a:ext cx="8095037" cy="1034579"/>
+            <a:off x="7629532" y="8403658"/>
+            <a:ext cx="6586867" cy="4524315"/>
           </a:xfrm>
           <a:prstGeom prst="rect">
             <a:avLst/>
@@ -4225,28 +4225,79 @@
           </a:bodyPr>
           <a:lstStyle/>
           <a:p>
-            <a:r>
-              <a:rPr lang="en-US" b="1" dirty="0" smtClean="0"/>
-              <a:t>Low </a:t>
-            </a:r>
-            <a:r>
-              <a:rPr lang="en-US" b="1" smtClean="0"/>
-              <a:t>Excitatory Synapses</a:t>
-            </a:r>
-            <a:endParaRPr lang="en-US" b="1" dirty="0"/>
-          </a:p>
-        </p:txBody>
-      </p:sp>
-      <p:sp>
-        <p:nvSpPr>
-          <p:cNvPr id="53" name="TextBox 52"/>
+            <a:pPr algn="ctr"/>
+            <a:endParaRPr lang="en-US" sz="4800" b="1" dirty="0"/>
+          </a:p>
+          <a:p>
+            <a:pPr algn="ctr"/>
+            <a:r>
+              <a:rPr lang="en-US" sz="4800" b="1" dirty="0"/>
+              <a:t>1170 Excitatory </a:t>
+            </a:r>
+            <a:r>
+              <a:rPr lang="en-US" sz="4800" b="1" dirty="0" smtClean="0"/>
+              <a:t>Synapses</a:t>
+            </a:r>
+          </a:p>
+          <a:p>
+            <a:pPr algn="ctr"/>
+            <a:r>
+              <a:rPr lang="en-US" sz="4800" b="1" dirty="0" smtClean="0"/>
+              <a:t>5 Hz</a:t>
+            </a:r>
+            <a:r>
+              <a:rPr lang="en-US" sz="4800" b="1" dirty="0"/>
+              <a:t> Excitatory </a:t>
+            </a:r>
+            <a:r>
+              <a:rPr lang="en-US" sz="4800" b="1" dirty="0" smtClean="0"/>
+              <a:t>Rate</a:t>
+            </a:r>
+            <a:endParaRPr lang="en-US" sz="4800" b="1" dirty="0" smtClean="0"/>
+          </a:p>
+          <a:p>
+            <a:pPr algn="ctr"/>
+            <a:endParaRPr lang="en-US" sz="4800" b="1" dirty="0" smtClean="0"/>
+          </a:p>
+          <a:p>
+            <a:pPr algn="ctr"/>
+            <a:r>
+              <a:rPr lang="en-US" sz="4800" b="1" dirty="0"/>
+              <a:t>152 Inhibitory </a:t>
+            </a:r>
+            <a:r>
+              <a:rPr lang="en-US" sz="4800" b="1" dirty="0" smtClean="0"/>
+              <a:t>Synapses</a:t>
+            </a:r>
+          </a:p>
+          <a:p>
+            <a:pPr algn="ctr"/>
+            <a:r>
+              <a:rPr lang="en-US" sz="4800" b="1" dirty="0" smtClean="0"/>
+              <a:t>90 Hz</a:t>
+            </a:r>
+            <a:r>
+              <a:rPr lang="en-US" sz="4800" b="1" dirty="0"/>
+              <a:t> Inhibitory </a:t>
+            </a:r>
+            <a:r>
+              <a:rPr lang="en-US" sz="4800" b="1" dirty="0" smtClean="0"/>
+              <a:t>Rate</a:t>
+            </a:r>
+            <a:endParaRPr lang="en-US" sz="4800" b="1" dirty="0"/>
+          </a:p>
+        </p:txBody>
+      </p:sp>
+      <p:sp>
+        <p:nvSpPr>
+          <p:cNvPr id="57" name="TextBox 56"/>
           <p:cNvSpPr txBox="1"/>
           <p:nvPr/>
         </p:nvSpPr>
         <p:spPr>
-          <a:xfrm rot="5400000">
-            <a:off x="24367218" y="13771604"/>
-            <a:ext cx="8204105" cy="1034579"/>
+          <a:xfrm>
+            <a:off x="2634143" y="9797403"/>
+            <a:ext cx="3295133" cy="1569660"/>
           </a:xfrm>
           <a:prstGeom prst="rect">
             <a:avLst/>
@@ -4259,24 +4310,28 @@
           </a:bodyPr>
           <a:lstStyle/>
           <a:p>
-            <a:r>
-              <a:rPr lang="en-US" b="1" dirty="0" smtClean="0"/>
-              <a:t>High Inhibitory Synapses</a:t>
-            </a:r>
-            <a:endParaRPr lang="en-US" b="1" dirty="0"/>
-          </a:p>
-        </p:txBody>
-      </p:sp>
-      <p:sp>
-        <p:nvSpPr>
-          <p:cNvPr id="54" name="TextBox 53"/>
+            <a:pPr algn="ctr"/>
+            <a:endParaRPr lang="en-US" sz="4800" b="1" dirty="0"/>
+          </a:p>
+          <a:p>
+            <a:pPr algn="ctr"/>
+            <a:r>
+              <a:rPr lang="en-US" sz="4800" b="1" dirty="0" smtClean="0"/>
+              <a:t>None Found</a:t>
+            </a:r>
+          </a:p>
+        </p:txBody>
+      </p:sp>
+      <p:sp>
+        <p:nvSpPr>
+          <p:cNvPr id="58" name="TextBox 57"/>
           <p:cNvSpPr txBox="1"/>
           <p:nvPr/>
         </p:nvSpPr>
         <p:spPr>
-          <a:xfrm rot="16200000">
-            <a:off x="-3661465" y="13771605"/>
-            <a:ext cx="8060668" cy="1034579"/>
+          <a:xfrm>
+            <a:off x="2302265" y="3771410"/>
+            <a:ext cx="4042197" cy="830997"/>
           </a:xfrm>
           <a:prstGeom prst="rect">
             <a:avLst/>
@@ -4289,24 +4344,24 @@
           </a:bodyPr>
           <a:lstStyle/>
           <a:p>
-            <a:r>
-              <a:rPr lang="en-US" b="1" dirty="0" smtClean="0"/>
-              <a:t>Low Inhibitory Synapses</a:t>
-            </a:r>
-            <a:endParaRPr lang="en-US" b="1" dirty="0"/>
-          </a:p>
-        </p:txBody>
-      </p:sp>
-      <p:sp>
-        <p:nvSpPr>
-          <p:cNvPr id="55" name="TextBox 54"/>
+            <a:pPr algn="ctr"/>
+            <a:r>
+              <a:rPr lang="en-US" sz="4800" b="1" dirty="0" smtClean="0"/>
+              <a:t>None Available</a:t>
+            </a:r>
+          </a:p>
+        </p:txBody>
+      </p:sp>
+      <p:sp>
+        <p:nvSpPr>
+          <p:cNvPr id="59" name="TextBox 58"/>
           <p:cNvSpPr txBox="1"/>
           <p:nvPr/>
         </p:nvSpPr>
         <p:spPr>
           <a:xfrm>
-            <a:off x="8266464" y="3449800"/>
-            <a:ext cx="5565498" cy="1569660"/>
+            <a:off x="21383719" y="1559299"/>
+            <a:ext cx="6274282" cy="4524315"/>
           </a:xfrm>
           <a:prstGeom prst="rect">
             <a:avLst/>
@@ -4320,40 +4375,78 @@
           <a:lstStyle/>
           <a:p>
             <a:pPr algn="ctr"/>
-            <a:r>
-              <a:rPr lang="en-US" sz="4800" b="1" dirty="0" smtClean="0"/>
-              <a:t>High Excitatory </a:t>
-            </a:r>
+            <a:endParaRPr lang="en-US" sz="4800" b="1" dirty="0"/>
+          </a:p>
+          <a:p>
+            <a:pPr algn="ctr"/>
             <a:r>
               <a:rPr lang="en-US" sz="4800" b="1" dirty="0"/>
-              <a:t>Rates</a:t>
+              <a:t>846 Excitatory </a:t>
+            </a:r>
+            <a:r>
+              <a:rPr lang="en-US" sz="4800" b="1" dirty="0" smtClean="0"/>
+              <a:t>Synapses</a:t>
+            </a:r>
+          </a:p>
+          <a:p>
+            <a:pPr algn="ctr"/>
+            <a:r>
+              <a:rPr lang="en-US" sz="4800" b="1" dirty="0" smtClean="0"/>
+              <a:t>20 Hz</a:t>
+            </a:r>
+            <a:r>
+              <a:rPr lang="en-US" sz="4800" b="1" dirty="0"/>
+              <a:t> Excitatory </a:t>
+            </a:r>
+            <a:r>
+              <a:rPr lang="en-US" sz="4800" b="1" dirty="0" smtClean="0"/>
+              <a:t>Rate</a:t>
             </a:r>
             <a:endParaRPr lang="en-US" sz="4800" b="1" dirty="0" smtClean="0"/>
           </a:p>
           <a:p>
             <a:pPr algn="ctr"/>
-            <a:r>
-              <a:rPr lang="en-US" sz="4800" b="1" dirty="0" smtClean="0"/>
-              <a:t>High Inhibitory </a:t>
-            </a:r>
-            <a:r>
-              <a:rPr lang="en-US" sz="4800" b="1" dirty="0" smtClean="0"/>
-              <a:t>Rates</a:t>
-            </a:r>
             <a:endParaRPr lang="en-US" sz="4800" b="1" dirty="0" smtClean="0"/>
           </a:p>
-        </p:txBody>
-      </p:sp>
-      <p:sp>
-        <p:nvSpPr>
-          <p:cNvPr id="56" name="TextBox 55"/>
+          <a:p>
+            <a:pPr algn="ctr"/>
+            <a:r>
+              <a:rPr lang="en-US" sz="4800" b="1" dirty="0"/>
+              <a:t>344 Inhibitory </a:t>
+            </a:r>
+            <a:r>
+              <a:rPr lang="en-US" sz="4800" b="1" dirty="0" smtClean="0"/>
+              <a:t>Synapses</a:t>
+            </a:r>
+          </a:p>
+          <a:p>
+            <a:pPr algn="ctr"/>
+            <a:r>
+              <a:rPr lang="en-US" sz="4800" b="1" dirty="0" smtClean="0"/>
+              <a:t>90 Hz</a:t>
+            </a:r>
+            <a:r>
+              <a:rPr lang="en-US" sz="4800" b="1" dirty="0"/>
+              <a:t> Inhibitory </a:t>
+            </a:r>
+            <a:r>
+              <a:rPr lang="en-US" sz="4800" b="1" dirty="0" smtClean="0"/>
+              <a:t>Rate</a:t>
+            </a:r>
+            <a:endParaRPr lang="en-US" sz="4800" b="1" dirty="0"/>
+          </a:p>
+        </p:txBody>
+      </p:sp>
+      <p:sp>
+        <p:nvSpPr>
+          <p:cNvPr id="60" name="TextBox 59"/>
           <p:cNvSpPr txBox="1"/>
           <p:nvPr/>
         </p:nvSpPr>
         <p:spPr>
           <a:xfrm>
-            <a:off x="7629532" y="8403658"/>
-            <a:ext cx="6586867" cy="5262979"/>
+            <a:off x="21203529" y="8439518"/>
+            <a:ext cx="6586867" cy="4524315"/>
           </a:xfrm>
           <a:prstGeom prst="rect">
             <a:avLst/>
@@ -4367,99 +4460,78 @@
           <a:lstStyle/>
           <a:p>
             <a:pPr algn="ctr"/>
-            <a:r>
-              <a:rPr lang="en-US" sz="4800" b="1" dirty="0" smtClean="0"/>
-              <a:t>Low Excitatory </a:t>
-            </a:r>
+            <a:endParaRPr lang="en-US" sz="4800" b="1" dirty="0"/>
+          </a:p>
+          <a:p>
+            <a:pPr algn="ctr"/>
             <a:r>
               <a:rPr lang="en-US" sz="4800" b="1" dirty="0"/>
-              <a:t>Rates</a:t>
+              <a:t>1026 Excitatory </a:t>
+            </a:r>
+            <a:r>
+              <a:rPr lang="en-US" sz="4800" b="1" dirty="0" smtClean="0"/>
+              <a:t>Synapses</a:t>
+            </a:r>
+          </a:p>
+          <a:p>
+            <a:pPr algn="ctr"/>
+            <a:r>
+              <a:rPr lang="en-US" sz="4800" b="1" dirty="0" smtClean="0"/>
+              <a:t>15 Hz</a:t>
+            </a:r>
+            <a:r>
+              <a:rPr lang="en-US" sz="4800" b="1" dirty="0"/>
+              <a:t> Excitatory </a:t>
+            </a:r>
+            <a:r>
+              <a:rPr lang="en-US" sz="4800" b="1" dirty="0" smtClean="0"/>
+              <a:t>Rate</a:t>
             </a:r>
             <a:endParaRPr lang="en-US" sz="4800" b="1" dirty="0" smtClean="0"/>
           </a:p>
           <a:p>
             <a:pPr algn="ctr"/>
-            <a:r>
-              <a:rPr lang="en-US" sz="4800" b="1" dirty="0" smtClean="0"/>
-              <a:t>High Inhibitory </a:t>
-            </a:r>
+            <a:endParaRPr lang="en-US" sz="4800" b="1" dirty="0" smtClean="0"/>
+          </a:p>
+          <a:p>
+            <a:pPr algn="ctr"/>
             <a:r>
               <a:rPr lang="en-US" sz="4800" b="1" dirty="0"/>
-              <a:t>Rates</a:t>
-            </a:r>
-            <a:endParaRPr lang="en-US" sz="4800" b="1" dirty="0" smtClean="0"/>
-          </a:p>
-          <a:p>
-            <a:pPr algn="ctr"/>
+              <a:t>324 Inhibitory </a:t>
+            </a:r>
+            <a:r>
+              <a:rPr lang="en-US" sz="4800" b="1" dirty="0" smtClean="0"/>
+              <a:t>Synapses</a:t>
+            </a:r>
+          </a:p>
+          <a:p>
+            <a:pPr algn="ctr"/>
+            <a:r>
+              <a:rPr lang="en-US" sz="4800" b="1" dirty="0" smtClean="0"/>
+              <a:t>90 Hz</a:t>
+            </a:r>
+            <a:r>
+              <a:rPr lang="en-US" sz="4800" b="1" dirty="0"/>
+              <a:t> Inhibitory </a:t>
+            </a:r>
+            <a:r>
+              <a:rPr lang="en-US" sz="4800" b="1" dirty="0" smtClean="0"/>
+              <a:t>Rate</a:t>
+            </a:r>
             <a:endParaRPr lang="en-US" sz="4800" b="1" dirty="0"/>
           </a:p>
-          <a:p>
-            <a:pPr algn="ctr"/>
-            <a:r>
-              <a:rPr lang="en-US" sz="4800" b="1" dirty="0"/>
-              <a:t>1170 Excitatory </a:t>
-            </a:r>
-            <a:r>
-              <a:rPr lang="en-US" sz="4800" b="1" dirty="0" smtClean="0"/>
-              <a:t>Synapses</a:t>
-            </a:r>
-            <a:endParaRPr lang="en-US" sz="4800" b="1" dirty="0" smtClean="0"/>
-          </a:p>
-          <a:p>
-            <a:pPr algn="ctr"/>
-            <a:r>
-              <a:rPr lang="en-US" sz="4800" b="1" dirty="0" smtClean="0"/>
-              <a:t>5 Hz</a:t>
-            </a:r>
-            <a:r>
-              <a:rPr lang="en-US" sz="4800" b="1" dirty="0"/>
-              <a:t> Spike </a:t>
-            </a:r>
-            <a:r>
-              <a:rPr lang="en-US" sz="4800" b="1" dirty="0" smtClean="0"/>
-              <a:t>Rates</a:t>
-            </a:r>
-          </a:p>
-          <a:p>
-            <a:pPr algn="ctr"/>
-            <a:r>
-              <a:rPr lang="en-US" sz="4800" b="1" dirty="0"/>
-              <a:t>152 Inhibitory </a:t>
-            </a:r>
-            <a:r>
-              <a:rPr lang="en-US" sz="4800" b="1" dirty="0" smtClean="0"/>
-              <a:t>Synapses</a:t>
-            </a:r>
-            <a:endParaRPr lang="en-US" sz="4800" b="1" dirty="0" smtClean="0"/>
-          </a:p>
-          <a:p>
-            <a:pPr algn="ctr"/>
-            <a:r>
-              <a:rPr lang="en-US" sz="4800" b="1" dirty="0" smtClean="0"/>
-              <a:t>90 Hz</a:t>
-            </a:r>
-            <a:r>
-              <a:rPr lang="en-US" sz="4800" b="1" dirty="0"/>
-              <a:t> Spike </a:t>
-            </a:r>
-            <a:r>
-              <a:rPr lang="en-US" sz="4800" b="1" dirty="0" smtClean="0"/>
-              <a:t>Rates</a:t>
-            </a:r>
-            <a:endParaRPr lang="en-US" sz="4800" b="1" dirty="0"/>
-          </a:p>
-        </p:txBody>
-      </p:sp>
-      <p:sp>
-        <p:nvSpPr>
-          <p:cNvPr id="57" name="TextBox 56"/>
+        </p:txBody>
+      </p:sp>
+      <p:sp>
+        <p:nvSpPr>
+          <p:cNvPr id="61" name="TextBox 60"/>
           <p:cNvSpPr txBox="1"/>
           <p:nvPr/>
         </p:nvSpPr>
         <p:spPr>
           <a:xfrm>
-            <a:off x="1555386" y="9511653"/>
-            <a:ext cx="5452647" cy="3046988"/>
+            <a:off x="14718566" y="8439518"/>
+            <a:ext cx="6274282" cy="4524315"/>
           </a:xfrm>
           <a:prstGeom prst="rect">
             <a:avLst/>
@@ -4473,52 +4545,78 @@
           <a:lstStyle/>
           <a:p>
             <a:pPr algn="ctr"/>
-            <a:r>
-              <a:rPr lang="en-US" sz="4800" b="1" dirty="0" smtClean="0"/>
-              <a:t>Low Excitatory </a:t>
-            </a:r>
+            <a:endParaRPr lang="en-US" sz="4800" b="1" dirty="0" smtClean="0"/>
+          </a:p>
+          <a:p>
+            <a:pPr algn="ctr"/>
             <a:r>
               <a:rPr lang="en-US" sz="4800" b="1" dirty="0"/>
-              <a:t>Rates</a:t>
+              <a:t>810 Excitatory </a:t>
+            </a:r>
+            <a:r>
+              <a:rPr lang="en-US" sz="4800" b="1" dirty="0" smtClean="0"/>
+              <a:t>Synapses</a:t>
+            </a:r>
+          </a:p>
+          <a:p>
+            <a:pPr algn="ctr"/>
+            <a:r>
+              <a:rPr lang="en-US" sz="4800" b="1" dirty="0" smtClean="0"/>
+              <a:t>5 Hz</a:t>
+            </a:r>
+            <a:r>
+              <a:rPr lang="en-US" sz="4800" b="1" dirty="0"/>
+              <a:t> Excitatory </a:t>
+            </a:r>
+            <a:r>
+              <a:rPr lang="en-US" sz="4800" b="1" dirty="0" smtClean="0"/>
+              <a:t>Rate</a:t>
             </a:r>
             <a:endParaRPr lang="en-US" sz="4800" b="1" dirty="0" smtClean="0"/>
           </a:p>
           <a:p>
             <a:pPr algn="ctr"/>
-            <a:r>
-              <a:rPr lang="en-US" sz="4800" b="1" dirty="0" smtClean="0"/>
-              <a:t>Low Inhibitory </a:t>
-            </a:r>
+            <a:endParaRPr lang="en-US" sz="4800" b="1" dirty="0" smtClean="0"/>
+          </a:p>
+          <a:p>
+            <a:pPr algn="ctr"/>
             <a:r>
               <a:rPr lang="en-US" sz="4800" b="1" dirty="0"/>
-              <a:t>Rates</a:t>
-            </a:r>
-            <a:endParaRPr lang="en-US" sz="4800" b="1" dirty="0" smtClean="0"/>
-          </a:p>
-          <a:p>
-            <a:pPr algn="ctr"/>
+              <a:t>224 Inhibitory </a:t>
+            </a:r>
+            <a:r>
+              <a:rPr lang="en-US" sz="4800" b="1" dirty="0" smtClean="0"/>
+              <a:t>Synapses</a:t>
+            </a:r>
+          </a:p>
+          <a:p>
+            <a:pPr algn="ctr"/>
+            <a:r>
+              <a:rPr lang="en-US" sz="4800" b="1" dirty="0" smtClean="0"/>
+              <a:t>50 Hz</a:t>
+            </a:r>
+            <a:r>
+              <a:rPr lang="en-US" sz="4800" b="1" dirty="0"/>
+              <a:t> Inhibitory </a:t>
+            </a:r>
+            <a:r>
+              <a:rPr lang="en-US" sz="4800" b="1" dirty="0" smtClean="0"/>
+              <a:t>Rate</a:t>
+            </a:r>
             <a:endParaRPr lang="en-US" sz="4800" b="1" dirty="0"/>
           </a:p>
-          <a:p>
-            <a:pPr algn="ctr"/>
-            <a:r>
-              <a:rPr lang="en-US" sz="4800" b="1" dirty="0" smtClean="0"/>
-              <a:t>None Found</a:t>
-            </a:r>
-            <a:endParaRPr lang="en-US" sz="4800" b="1" dirty="0" smtClean="0"/>
-          </a:p>
-        </p:txBody>
-      </p:sp>
-      <p:sp>
-        <p:nvSpPr>
-          <p:cNvPr id="58" name="TextBox 57"/>
+        </p:txBody>
+      </p:sp>
+      <p:sp>
+        <p:nvSpPr>
+          <p:cNvPr id="62" name="TextBox 61"/>
           <p:cNvSpPr txBox="1"/>
           <p:nvPr/>
         </p:nvSpPr>
         <p:spPr>
           <a:xfrm>
-            <a:off x="1540612" y="3485660"/>
-            <a:ext cx="5565498" cy="1569660"/>
+            <a:off x="15876262" y="3807270"/>
+            <a:ext cx="4042197" cy="830997"/>
           </a:xfrm>
           <a:prstGeom prst="rect">
             <a:avLst/>
@@ -4534,33 +4632,21 @@
             <a:pPr algn="ctr"/>
             <a:r>
               <a:rPr lang="en-US" sz="4800" b="1" dirty="0" smtClean="0"/>
-              <a:t>High Excitatory Rates</a:t>
-            </a:r>
-          </a:p>
-          <a:p>
-            <a:pPr algn="ctr"/>
-            <a:r>
-              <a:rPr lang="en-US" sz="4800" b="1" dirty="0" smtClean="0"/>
-              <a:t>Low Inhibitory </a:t>
-            </a:r>
-            <a:r>
-              <a:rPr lang="en-US" sz="4800" b="1" dirty="0" smtClean="0"/>
-              <a:t>Rates</a:t>
-            </a:r>
-            <a:endParaRPr lang="en-US" sz="4800" b="1" dirty="0" smtClean="0"/>
-          </a:p>
-        </p:txBody>
-      </p:sp>
-      <p:sp>
-        <p:nvSpPr>
-          <p:cNvPr id="59" name="TextBox 58"/>
+              <a:t>None Available</a:t>
+            </a:r>
+          </a:p>
+        </p:txBody>
+      </p:sp>
+      <p:sp>
+        <p:nvSpPr>
+          <p:cNvPr id="63" name="TextBox 62"/>
           <p:cNvSpPr txBox="1"/>
           <p:nvPr/>
         </p:nvSpPr>
         <p:spPr>
           <a:xfrm>
-            <a:off x="21383719" y="1559299"/>
-            <a:ext cx="6274282" cy="5262979"/>
+            <a:off x="8051286" y="15008051"/>
+            <a:ext cx="5961696" cy="4524315"/>
           </a:xfrm>
           <a:prstGeom prst="rect">
             <a:avLst/>
@@ -4574,99 +4660,73 @@
           <a:lstStyle/>
           <a:p>
             <a:pPr algn="ctr"/>
-            <a:r>
-              <a:rPr lang="en-US" sz="4800" b="1" dirty="0" smtClean="0"/>
-              <a:t>High Excitatory </a:t>
-            </a:r>
+            <a:endParaRPr lang="en-US" sz="4800" b="1" dirty="0"/>
+          </a:p>
+          <a:p>
+            <a:pPr algn="ctr"/>
             <a:r>
               <a:rPr lang="en-US" sz="4800" b="1" dirty="0"/>
+              <a:t>72 Excitatory </a:t>
+            </a:r>
+            <a:r>
+              <a:rPr lang="en-US" sz="4800" b="1" dirty="0" smtClean="0"/>
+              <a:t>Synapses</a:t>
+            </a:r>
+          </a:p>
+          <a:p>
+            <a:pPr algn="ctr"/>
+            <a:r>
+              <a:rPr lang="en-US" sz="4800" b="1" dirty="0" smtClean="0"/>
+              <a:t>20 Hz</a:t>
+            </a:r>
+            <a:r>
+              <a:rPr lang="en-US" sz="4800" b="1" dirty="0"/>
+              <a:t> Excitatory </a:t>
+            </a:r>
+            <a:r>
+              <a:rPr lang="en-US" sz="4800" b="1" dirty="0" smtClean="0"/>
               <a:t>Rates</a:t>
             </a:r>
+          </a:p>
+          <a:p>
+            <a:pPr algn="ctr"/>
             <a:endParaRPr lang="en-US" sz="4800" b="1" dirty="0" smtClean="0"/>
           </a:p>
           <a:p>
             <a:pPr algn="ctr"/>
             <a:r>
-              <a:rPr lang="en-US" sz="4800" b="1" dirty="0" smtClean="0"/>
-              <a:t>High Inhibitory </a:t>
-            </a:r>
-            <a:r>
               <a:rPr lang="en-US" sz="4800" b="1" dirty="0"/>
-              <a:t>Rates</a:t>
-            </a:r>
-            <a:endParaRPr lang="en-US" sz="4800" b="1" dirty="0" smtClean="0"/>
-          </a:p>
-          <a:p>
-            <a:pPr algn="ctr"/>
+              <a:t>40 Inhibitory </a:t>
+            </a:r>
+            <a:r>
+              <a:rPr lang="en-US" sz="4800" b="1" dirty="0" smtClean="0"/>
+              <a:t>Synapses</a:t>
+            </a:r>
+          </a:p>
+          <a:p>
+            <a:pPr algn="ctr"/>
+            <a:r>
+              <a:rPr lang="en-US" sz="4800" b="1" dirty="0"/>
+              <a:t>80 Hz Inhibitory </a:t>
+            </a:r>
+            <a:r>
+              <a:rPr lang="en-US" sz="4800" b="1" dirty="0" smtClean="0"/>
+              <a:t>Rate</a:t>
+            </a:r>
             <a:endParaRPr lang="en-US" sz="4800" b="1" dirty="0"/>
           </a:p>
-          <a:p>
-            <a:pPr algn="ctr"/>
-            <a:r>
-              <a:rPr lang="en-US" sz="4800" b="1" dirty="0"/>
-              <a:t>846 Excitatory </a:t>
-            </a:r>
-            <a:r>
-              <a:rPr lang="en-US" sz="4800" b="1" dirty="0" smtClean="0"/>
-              <a:t>Synapses</a:t>
-            </a:r>
-            <a:endParaRPr lang="en-US" sz="4800" b="1" dirty="0" smtClean="0"/>
-          </a:p>
-          <a:p>
-            <a:pPr algn="ctr"/>
-            <a:r>
-              <a:rPr lang="en-US" sz="4800" b="1" dirty="0" smtClean="0"/>
-              <a:t>20 Hz</a:t>
-            </a:r>
-            <a:r>
-              <a:rPr lang="en-US" sz="4800" b="1" dirty="0"/>
-              <a:t> Spike </a:t>
-            </a:r>
-            <a:r>
-              <a:rPr lang="en-US" sz="4800" b="1" dirty="0" smtClean="0"/>
-              <a:t>Rates</a:t>
-            </a:r>
-          </a:p>
-          <a:p>
-            <a:pPr algn="ctr"/>
-            <a:r>
-              <a:rPr lang="en-US" sz="4800" b="1" dirty="0"/>
-              <a:t>344 Inhibitory </a:t>
-            </a:r>
-            <a:r>
-              <a:rPr lang="en-US" sz="4800" b="1" dirty="0" smtClean="0"/>
-              <a:t>Synapses</a:t>
-            </a:r>
-            <a:endParaRPr lang="en-US" sz="4800" b="1" dirty="0" smtClean="0"/>
-          </a:p>
-          <a:p>
-            <a:pPr algn="ctr"/>
-            <a:r>
-              <a:rPr lang="en-US" sz="4800" b="1" dirty="0" smtClean="0"/>
-              <a:t>90 Hz</a:t>
-            </a:r>
-            <a:r>
-              <a:rPr lang="en-US" sz="4800" b="1" dirty="0"/>
-              <a:t> Spike </a:t>
-            </a:r>
-            <a:r>
-              <a:rPr lang="en-US" sz="4800" b="1" dirty="0" smtClean="0"/>
-              <a:t>Rates</a:t>
-            </a:r>
-            <a:endParaRPr lang="en-US" sz="4800" b="1" dirty="0"/>
-          </a:p>
-        </p:txBody>
-      </p:sp>
-      <p:sp>
-        <p:nvSpPr>
-          <p:cNvPr id="60" name="TextBox 59"/>
+        </p:txBody>
+      </p:sp>
+      <p:sp>
+        <p:nvSpPr>
+          <p:cNvPr id="64" name="TextBox 63"/>
           <p:cNvSpPr txBox="1"/>
           <p:nvPr/>
         </p:nvSpPr>
         <p:spPr>
           <a:xfrm>
-            <a:off x="21203529" y="8439518"/>
-            <a:ext cx="6586867" cy="5262979"/>
+            <a:off x="7925038" y="21758051"/>
+            <a:ext cx="5961696" cy="4524315"/>
           </a:xfrm>
           <a:prstGeom prst="rect">
             <a:avLst/>
@@ -4680,99 +4740,77 @@
           <a:lstStyle/>
           <a:p>
             <a:pPr algn="ctr"/>
-            <a:r>
-              <a:rPr lang="en-US" sz="4800" b="1" dirty="0" smtClean="0"/>
-              <a:t>Low Excitatory </a:t>
-            </a:r>
+            <a:endParaRPr lang="en-US" sz="4800" b="1" dirty="0"/>
+          </a:p>
+          <a:p>
+            <a:pPr algn="ctr"/>
             <a:r>
               <a:rPr lang="en-US" sz="4800" b="1" dirty="0"/>
+              <a:t>90 Excitatory </a:t>
+            </a:r>
+            <a:r>
+              <a:rPr lang="en-US" sz="4800" b="1" dirty="0" smtClean="0"/>
+              <a:t>Synapses</a:t>
+            </a:r>
+          </a:p>
+          <a:p>
+            <a:pPr algn="ctr"/>
+            <a:r>
+              <a:rPr lang="en-US" sz="4800" b="1" dirty="0" smtClean="0"/>
+              <a:t>5 Hz</a:t>
+            </a:r>
+            <a:r>
+              <a:rPr lang="en-US" sz="4800" b="1" dirty="0"/>
+              <a:t> Excitatory </a:t>
+            </a:r>
+            <a:r>
+              <a:rPr lang="en-US" sz="4800" b="1" dirty="0" smtClean="0"/>
               <a:t>Rates</a:t>
             </a:r>
+          </a:p>
+          <a:p>
+            <a:pPr algn="ctr"/>
             <a:endParaRPr lang="en-US" sz="4800" b="1" dirty="0" smtClean="0"/>
           </a:p>
           <a:p>
             <a:pPr algn="ctr"/>
             <a:r>
-              <a:rPr lang="en-US" sz="4800" b="1" dirty="0" smtClean="0"/>
-              <a:t>High Inhibitory </a:t>
-            </a:r>
-            <a:r>
               <a:rPr lang="en-US" sz="4800" b="1" dirty="0"/>
-              <a:t>Rates</a:t>
-            </a:r>
-            <a:endParaRPr lang="en-US" sz="4800" b="1" dirty="0" smtClean="0"/>
-          </a:p>
-          <a:p>
-            <a:pPr algn="ctr"/>
+              <a:t>8 Inhibitory </a:t>
+            </a:r>
+            <a:r>
+              <a:rPr lang="en-US" sz="4800" b="1" dirty="0" smtClean="0"/>
+              <a:t>Synapses</a:t>
+            </a:r>
+          </a:p>
+          <a:p>
+            <a:pPr algn="ctr"/>
+            <a:r>
+              <a:rPr lang="en-US" sz="4800" b="1" dirty="0" smtClean="0"/>
+              <a:t>70 Hz</a:t>
+            </a:r>
+            <a:r>
+              <a:rPr lang="en-US" sz="4800" b="1" dirty="0"/>
+              <a:t> Inhibitory </a:t>
+            </a:r>
+            <a:r>
+              <a:rPr lang="en-US" sz="4800" b="1" dirty="0" smtClean="0"/>
+              <a:t>Rate</a:t>
+            </a:r>
             <a:endParaRPr lang="en-US" sz="4800" b="1" dirty="0"/>
           </a:p>
-          <a:p>
-            <a:pPr algn="ctr"/>
-            <a:r>
-              <a:rPr lang="en-US" sz="4800" b="1" dirty="0"/>
-              <a:t>1026 Excitatory </a:t>
-            </a:r>
-            <a:r>
-              <a:rPr lang="en-US" sz="4800" b="1" dirty="0" smtClean="0"/>
-              <a:t>Synapses</a:t>
-            </a:r>
-            <a:endParaRPr lang="en-US" sz="4800" b="1" dirty="0" smtClean="0"/>
-          </a:p>
-          <a:p>
-            <a:pPr algn="ctr"/>
-            <a:r>
-              <a:rPr lang="en-US" sz="4800" b="1" dirty="0" smtClean="0"/>
-              <a:t>15 Hz</a:t>
-            </a:r>
-            <a:r>
-              <a:rPr lang="en-US" sz="4800" b="1" dirty="0"/>
-              <a:t> Spike </a:t>
-            </a:r>
-            <a:r>
-              <a:rPr lang="en-US" sz="4800" b="1" dirty="0" smtClean="0"/>
-              <a:t>Rates</a:t>
-            </a:r>
-          </a:p>
-          <a:p>
-            <a:pPr algn="ctr"/>
-            <a:r>
-              <a:rPr lang="en-US" sz="4800" b="1" dirty="0"/>
-              <a:t>324 Inhibitory </a:t>
-            </a:r>
-            <a:r>
-              <a:rPr lang="en-US" sz="4800" b="1" dirty="0" smtClean="0"/>
-              <a:t>Synapses</a:t>
-            </a:r>
-            <a:endParaRPr lang="en-US" sz="4800" b="1" dirty="0" smtClean="0"/>
-          </a:p>
-          <a:p>
-            <a:pPr algn="ctr"/>
-            <a:r>
-              <a:rPr lang="en-US" sz="4800" b="1" dirty="0" smtClean="0"/>
-              <a:t>90 Hz</a:t>
-            </a:r>
-            <a:r>
-              <a:rPr lang="en-US" sz="4800" b="1" dirty="0"/>
-              <a:t> Spike </a:t>
-            </a:r>
-            <a:r>
-              <a:rPr lang="en-US" sz="4800" b="1" dirty="0" smtClean="0"/>
-              <a:t>Rates</a:t>
-            </a:r>
-            <a:endParaRPr lang="en-US" sz="4800" b="1" dirty="0"/>
-          </a:p>
-        </p:txBody>
-      </p:sp>
-      <p:sp>
-        <p:nvSpPr>
-          <p:cNvPr id="61" name="TextBox 60"/>
+        </p:txBody>
+      </p:sp>
+      <p:sp>
+        <p:nvSpPr>
+          <p:cNvPr id="65" name="TextBox 64"/>
           <p:cNvSpPr txBox="1"/>
           <p:nvPr/>
         </p:nvSpPr>
         <p:spPr>
           <a:xfrm>
-            <a:off x="14718566" y="8439518"/>
-            <a:ext cx="6274282" cy="5262979"/>
+            <a:off x="1127490" y="21758051"/>
+            <a:ext cx="6274282" cy="4524315"/>
           </a:xfrm>
           <a:prstGeom prst="rect">
             <a:avLst/>
@@ -4786,84 +4824,63 @@
           <a:lstStyle/>
           <a:p>
             <a:pPr algn="ctr"/>
-            <a:r>
-              <a:rPr lang="en-US" sz="4800" b="1" dirty="0" smtClean="0"/>
-              <a:t>Low Excitatory </a:t>
-            </a:r>
+            <a:endParaRPr lang="en-US" sz="4800" b="1" dirty="0"/>
+          </a:p>
+          <a:p>
+            <a:pPr algn="ctr"/>
             <a:r>
               <a:rPr lang="en-US" sz="4800" b="1" dirty="0"/>
-              <a:t>Rates</a:t>
+              <a:t>144 Excitatory </a:t>
+            </a:r>
+            <a:r>
+              <a:rPr lang="en-US" sz="4800" b="1" dirty="0" smtClean="0"/>
+              <a:t>Synapses</a:t>
+            </a:r>
+          </a:p>
+          <a:p>
+            <a:pPr algn="ctr"/>
+            <a:r>
+              <a:rPr lang="en-US" sz="4800" b="1" dirty="0" smtClean="0"/>
+              <a:t>5 Hz</a:t>
+            </a:r>
+            <a:r>
+              <a:rPr lang="en-US" sz="4800" b="1" dirty="0"/>
+              <a:t> Excitatory </a:t>
+            </a:r>
+            <a:r>
+              <a:rPr lang="en-US" sz="4800" b="1" dirty="0" smtClean="0"/>
+              <a:t>Rate</a:t>
             </a:r>
             <a:endParaRPr lang="en-US" sz="4800" b="1" dirty="0" smtClean="0"/>
           </a:p>
           <a:p>
             <a:pPr algn="ctr"/>
-            <a:r>
-              <a:rPr lang="en-US" sz="4800" b="1" dirty="0" smtClean="0"/>
-              <a:t>Low Inhibitory </a:t>
-            </a:r>
+            <a:endParaRPr lang="en-US" sz="4800" b="1" dirty="0" smtClean="0"/>
+          </a:p>
+          <a:p>
+            <a:pPr algn="ctr"/>
             <a:r>
               <a:rPr lang="en-US" sz="4800" b="1" dirty="0"/>
-              <a:t>Rates</a:t>
-            </a:r>
-            <a:endParaRPr lang="en-US" sz="4800" b="1" dirty="0" smtClean="0"/>
-          </a:p>
-          <a:p>
-            <a:pPr algn="ctr"/>
-            <a:endParaRPr lang="en-US" sz="4800" b="1" dirty="0" smtClean="0"/>
-          </a:p>
-          <a:p>
-            <a:pPr algn="ctr"/>
+              <a:t>24 Inhibitory </a:t>
+            </a:r>
+            <a:r>
+              <a:rPr lang="en-US" sz="4800" b="1" dirty="0" smtClean="0"/>
+              <a:t>Synapses</a:t>
+            </a:r>
+          </a:p>
+          <a:p>
+            <a:pPr algn="ctr"/>
+            <a:r>
+              <a:rPr lang="en-US" sz="4800" b="1" dirty="0" smtClean="0"/>
+              <a:t>30 Hz</a:t>
+            </a:r>
             <a:r>
               <a:rPr lang="en-US" sz="4800" b="1" dirty="0"/>
-              <a:t>810 Excitatory </a:t>
-            </a:r>
-            <a:r>
-              <a:rPr lang="en-US" sz="4800" b="1" dirty="0" smtClean="0"/>
-              <a:t>Synapses</a:t>
-            </a:r>
-            <a:endParaRPr lang="en-US" sz="4800" b="1" dirty="0" smtClean="0"/>
-          </a:p>
-          <a:p>
-            <a:pPr algn="ctr"/>
-            <a:r>
-              <a:rPr lang="en-US" sz="4800" b="1" dirty="0" smtClean="0"/>
-              <a:t>5 Hz</a:t>
-            </a:r>
-            <a:r>
-              <a:rPr lang="en-US" sz="4800" b="1" dirty="0"/>
-              <a:t> Spike </a:t>
-            </a:r>
-            <a:r>
-              <a:rPr lang="en-US" sz="4800" b="1" dirty="0" smtClean="0"/>
-              <a:t>Rates</a:t>
-            </a:r>
-          </a:p>
-          <a:p>
-            <a:pPr algn="ctr"/>
-            <a:r>
-              <a:rPr lang="en-US" sz="4800" b="1" dirty="0"/>
-              <a:t>224 Inhibitory </a:t>
-            </a:r>
-            <a:r>
-              <a:rPr lang="en-US" sz="4800" b="1" dirty="0" smtClean="0"/>
-              <a:t>Synapses</a:t>
-            </a:r>
-            <a:endParaRPr lang="en-US" sz="4800" b="1" dirty="0" smtClean="0"/>
-          </a:p>
-          <a:p>
-            <a:pPr algn="ctr"/>
-            <a:r>
-              <a:rPr lang="en-US" sz="4800" b="1" dirty="0" smtClean="0"/>
-              <a:t>50 Hz</a:t>
-            </a:r>
-            <a:r>
-              <a:rPr lang="en-US" sz="4800" b="1" dirty="0"/>
-              <a:t> Spike </a:t>
-            </a:r>
-            <a:r>
-              <a:rPr lang="en-US" sz="4800" b="1" dirty="0" smtClean="0"/>
-              <a:t>Rates</a:t>
+              <a:t> Inhibitory </a:t>
+            </a:r>
+            <a:r>
+              <a:rPr lang="en-US" sz="4800" b="1" dirty="0" smtClean="0"/>
+              <a:t>Rate</a:t>
             </a:r>
             <a:endParaRPr lang="en-US" sz="4800" b="1" dirty="0"/>
           </a:p>
@@ -4871,14 +4888,14 @@
       </p:sp>
       <p:sp>
         <p:nvSpPr>
-          <p:cNvPr id="62" name="TextBox 61"/>
+          <p:cNvPr id="66" name="TextBox 65"/>
           <p:cNvSpPr txBox="1"/>
           <p:nvPr/>
         </p:nvSpPr>
         <p:spPr>
           <a:xfrm>
-            <a:off x="15114609" y="3521520"/>
-            <a:ext cx="5565498" cy="1569660"/>
+            <a:off x="1325434" y="15043911"/>
+            <a:ext cx="5961696" cy="4524315"/>
           </a:xfrm>
           <a:prstGeom prst="rect">
             <a:avLst/>
@@ -4892,40 +4909,70 @@
           <a:lstStyle/>
           <a:p>
             <a:pPr algn="ctr"/>
-            <a:r>
-              <a:rPr lang="en-US" sz="4800" b="1" dirty="0" smtClean="0"/>
-              <a:t>High Excitatory </a:t>
+            <a:endParaRPr lang="en-US" sz="4800" b="1" dirty="0"/>
+          </a:p>
+          <a:p>
+            <a:pPr algn="ctr"/>
+            <a:r>
+              <a:rPr lang="en-US" sz="4800" b="1" dirty="0" smtClean="0"/>
+              <a:t>18 Excitatory Synapses</a:t>
+            </a:r>
+          </a:p>
+          <a:p>
+            <a:pPr algn="ctr"/>
+            <a:r>
+              <a:rPr lang="en-US" sz="4800" b="1" dirty="0" smtClean="0"/>
+              <a:t>30 Hz </a:t>
             </a:r>
             <a:r>
               <a:rPr lang="en-US" sz="4800" b="1" dirty="0"/>
-              <a:t>Rates</a:t>
+              <a:t>Excitatory </a:t>
+            </a:r>
+            <a:r>
+              <a:rPr lang="en-US" sz="4800" b="1" dirty="0" smtClean="0"/>
+              <a:t>Rate</a:t>
             </a:r>
             <a:endParaRPr lang="en-US" sz="4800" b="1" dirty="0" smtClean="0"/>
           </a:p>
           <a:p>
             <a:pPr algn="ctr"/>
-            <a:r>
-              <a:rPr lang="en-US" sz="4800" b="1" dirty="0" smtClean="0"/>
-              <a:t>Low Inhibitory </a:t>
-            </a:r>
-            <a:r>
-              <a:rPr lang="en-US" sz="4800" b="1" dirty="0" smtClean="0"/>
-              <a:t>Rates</a:t>
-            </a:r>
             <a:endParaRPr lang="en-US" sz="4800" b="1" dirty="0" smtClean="0"/>
           </a:p>
-        </p:txBody>
-      </p:sp>
-      <p:sp>
-        <p:nvSpPr>
-          <p:cNvPr id="63" name="TextBox 62"/>
+          <a:p>
+            <a:pPr algn="ctr"/>
+            <a:r>
+              <a:rPr lang="en-US" sz="4800" b="1" dirty="0" smtClean="0"/>
+              <a:t>32 Inhibitory Synapses</a:t>
+            </a:r>
+          </a:p>
+          <a:p>
+            <a:pPr algn="ctr"/>
+            <a:r>
+              <a:rPr lang="en-US" sz="4800" b="1" dirty="0" smtClean="0"/>
+              <a:t>40 Hz </a:t>
+            </a:r>
+            <a:r>
+              <a:rPr lang="en-US" sz="4800" b="1" dirty="0"/>
+              <a:t>Inhibitory </a:t>
+            </a:r>
+            <a:r>
+              <a:rPr lang="en-US" sz="4800" b="1" dirty="0" smtClean="0"/>
+              <a:t>Rate</a:t>
+            </a:r>
+            <a:endParaRPr lang="en-US" sz="4800" b="1" dirty="0"/>
+          </a:p>
+        </p:txBody>
+      </p:sp>
+      <p:sp>
+        <p:nvSpPr>
+          <p:cNvPr id="67" name="TextBox 66"/>
           <p:cNvSpPr txBox="1"/>
           <p:nvPr/>
         </p:nvSpPr>
         <p:spPr>
           <a:xfrm>
-            <a:off x="8051286" y="15008051"/>
-            <a:ext cx="5961696" cy="5262979"/>
+            <a:off x="21383719" y="15008051"/>
+            <a:ext cx="6274282" cy="4524315"/>
           </a:xfrm>
           <a:prstGeom prst="rect">
             <a:avLst/>
@@ -4939,95 +4986,78 @@
           <a:lstStyle/>
           <a:p>
             <a:pPr algn="ctr"/>
-            <a:r>
-              <a:rPr lang="en-US" sz="4800" b="1" dirty="0" smtClean="0"/>
-              <a:t>High Excitatory </a:t>
-            </a:r>
+            <a:endParaRPr lang="en-US" sz="4800" b="1" dirty="0"/>
+          </a:p>
+          <a:p>
+            <a:pPr algn="ctr"/>
             <a:r>
               <a:rPr lang="en-US" sz="4800" b="1" dirty="0"/>
-              <a:t>Rates</a:t>
+              <a:t>450 Excitatory </a:t>
+            </a:r>
+            <a:r>
+              <a:rPr lang="en-US" sz="4800" b="1" dirty="0" smtClean="0"/>
+              <a:t>Synapses</a:t>
+            </a:r>
+          </a:p>
+          <a:p>
+            <a:pPr algn="ctr"/>
+            <a:r>
+              <a:rPr lang="en-US" sz="4800" b="1" dirty="0" smtClean="0"/>
+              <a:t>25 Hz</a:t>
+            </a:r>
+            <a:r>
+              <a:rPr lang="en-US" sz="4800" b="1" dirty="0"/>
+              <a:t> Excitatory </a:t>
+            </a:r>
+            <a:r>
+              <a:rPr lang="en-US" sz="4800" b="1" dirty="0" smtClean="0"/>
+              <a:t>Rate</a:t>
             </a:r>
             <a:endParaRPr lang="en-US" sz="4800" b="1" dirty="0" smtClean="0"/>
           </a:p>
           <a:p>
             <a:pPr algn="ctr"/>
-            <a:r>
-              <a:rPr lang="en-US" sz="4800" b="1" dirty="0" smtClean="0"/>
-              <a:t>High Inhibitory </a:t>
-            </a:r>
+            <a:endParaRPr lang="en-US" sz="4800" b="1" dirty="0" smtClean="0"/>
+          </a:p>
+          <a:p>
+            <a:pPr algn="ctr"/>
             <a:r>
               <a:rPr lang="en-US" sz="4800" b="1" dirty="0"/>
-              <a:t>Rates</a:t>
-            </a:r>
-            <a:endParaRPr lang="en-US" sz="4800" b="1" dirty="0" smtClean="0"/>
-          </a:p>
-          <a:p>
-            <a:pPr algn="ctr"/>
+              <a:t>328 Inhibitory </a:t>
+            </a:r>
+            <a:r>
+              <a:rPr lang="en-US" sz="4800" b="1" dirty="0" smtClean="0"/>
+              <a:t>Synapses</a:t>
+            </a:r>
+          </a:p>
+          <a:p>
+            <a:pPr algn="ctr"/>
+            <a:r>
+              <a:rPr lang="en-US" sz="4800" b="1" dirty="0" smtClean="0"/>
+              <a:t>70 Hz</a:t>
+            </a:r>
+            <a:r>
+              <a:rPr lang="en-US" sz="4800" b="1" dirty="0"/>
+              <a:t> Inhibitory </a:t>
+            </a:r>
+            <a:r>
+              <a:rPr lang="en-US" sz="4800" b="1" dirty="0" smtClean="0"/>
+              <a:t>Rate</a:t>
+            </a:r>
             <a:endParaRPr lang="en-US" sz="4800" b="1" dirty="0"/>
           </a:p>
-          <a:p>
-            <a:pPr algn="ctr"/>
-            <a:r>
-              <a:rPr lang="en-US" sz="4800" b="1" dirty="0"/>
-              <a:t>72 Excitatory </a:t>
-            </a:r>
-            <a:r>
-              <a:rPr lang="en-US" sz="4800" b="1" dirty="0" smtClean="0"/>
-              <a:t>Synapses</a:t>
-            </a:r>
-            <a:endParaRPr lang="en-US" sz="4800" b="1" dirty="0" smtClean="0"/>
-          </a:p>
-          <a:p>
-            <a:pPr algn="ctr"/>
-            <a:r>
-              <a:rPr lang="en-US" sz="4800" b="1" dirty="0" smtClean="0"/>
-              <a:t>20 Hz</a:t>
-            </a:r>
-            <a:r>
-              <a:rPr lang="en-US" sz="4800" b="1" dirty="0"/>
-              <a:t> Spike </a:t>
-            </a:r>
-            <a:r>
-              <a:rPr lang="en-US" sz="4800" b="1" dirty="0" smtClean="0"/>
-              <a:t>Rates</a:t>
-            </a:r>
-          </a:p>
-          <a:p>
-            <a:pPr algn="ctr"/>
-            <a:r>
-              <a:rPr lang="en-US" sz="4800" b="1" dirty="0"/>
-              <a:t>40 Inhibitory </a:t>
-            </a:r>
-            <a:r>
-              <a:rPr lang="en-US" sz="4800" b="1" dirty="0" smtClean="0"/>
-              <a:t>Synapses</a:t>
-            </a:r>
-            <a:endParaRPr lang="en-US" sz="4800" b="1" dirty="0" smtClean="0"/>
-          </a:p>
-          <a:p>
-            <a:pPr algn="ctr"/>
-            <a:r>
-              <a:rPr lang="en-US" sz="4800" b="1" dirty="0"/>
-              <a:t>80 Hz Spike </a:t>
-            </a:r>
-            <a:r>
-              <a:rPr lang="en-US" sz="4800" b="1" dirty="0" smtClean="0"/>
-              <a:t>Rates</a:t>
-            </a:r>
-            <a:endParaRPr lang="en-US" sz="4800" b="1" dirty="0"/>
-          </a:p>
-        </p:txBody>
-      </p:sp>
-      <p:sp>
-        <p:nvSpPr>
-          <p:cNvPr id="64" name="TextBox 63"/>
+        </p:txBody>
+      </p:sp>
+      <p:sp>
+        <p:nvSpPr>
+          <p:cNvPr id="68" name="TextBox 67"/>
           <p:cNvSpPr txBox="1"/>
           <p:nvPr/>
         </p:nvSpPr>
         <p:spPr>
           <a:xfrm>
-            <a:off x="7925038" y="21758051"/>
-            <a:ext cx="5961696" cy="5262979"/>
+            <a:off x="21257472" y="21758051"/>
+            <a:ext cx="6274282" cy="4524315"/>
           </a:xfrm>
           <a:prstGeom prst="rect">
             <a:avLst/>
@@ -5041,99 +5071,78 @@
           <a:lstStyle/>
           <a:p>
             <a:pPr algn="ctr"/>
-            <a:r>
-              <a:rPr lang="en-US" sz="4800" b="1" dirty="0" smtClean="0"/>
-              <a:t>Low Excitatory </a:t>
-            </a:r>
+            <a:endParaRPr lang="en-US" sz="4800" b="1" dirty="0"/>
+          </a:p>
+          <a:p>
+            <a:pPr algn="ctr"/>
             <a:r>
               <a:rPr lang="en-US" sz="4800" b="1" dirty="0"/>
-              <a:t>Rates</a:t>
+              <a:t>648 Excitatory </a:t>
+            </a:r>
+            <a:r>
+              <a:rPr lang="en-US" sz="4800" b="1" dirty="0" smtClean="0"/>
+              <a:t>Synapses</a:t>
+            </a:r>
+          </a:p>
+          <a:p>
+            <a:pPr algn="ctr"/>
+            <a:r>
+              <a:rPr lang="en-US" sz="4800" b="1" dirty="0" smtClean="0"/>
+              <a:t>10 Hz</a:t>
+            </a:r>
+            <a:r>
+              <a:rPr lang="en-US" sz="4800" b="1" dirty="0"/>
+              <a:t> Excitatory </a:t>
+            </a:r>
+            <a:r>
+              <a:rPr lang="en-US" sz="4800" b="1" dirty="0" smtClean="0"/>
+              <a:t>Rate</a:t>
             </a:r>
             <a:endParaRPr lang="en-US" sz="4800" b="1" dirty="0" smtClean="0"/>
           </a:p>
           <a:p>
             <a:pPr algn="ctr"/>
-            <a:r>
-              <a:rPr lang="en-US" sz="4800" b="1" dirty="0" smtClean="0"/>
-              <a:t>High Inhibitory </a:t>
-            </a:r>
+            <a:endParaRPr lang="en-US" sz="4800" b="1" dirty="0" smtClean="0"/>
+          </a:p>
+          <a:p>
+            <a:pPr algn="ctr"/>
             <a:r>
               <a:rPr lang="en-US" sz="4800" b="1" dirty="0"/>
-              <a:t>Rates</a:t>
-            </a:r>
-            <a:endParaRPr lang="en-US" sz="4800" b="1" dirty="0" smtClean="0"/>
-          </a:p>
-          <a:p>
-            <a:pPr algn="ctr"/>
+              <a:t>236 Inhibitory </a:t>
+            </a:r>
+            <a:r>
+              <a:rPr lang="en-US" sz="4800" b="1" dirty="0" smtClean="0"/>
+              <a:t>Synapses</a:t>
+            </a:r>
+          </a:p>
+          <a:p>
+            <a:pPr algn="ctr"/>
+            <a:r>
+              <a:rPr lang="en-US" sz="4800" b="1" dirty="0" smtClean="0"/>
+              <a:t>70 Hz</a:t>
+            </a:r>
+            <a:r>
+              <a:rPr lang="en-US" sz="4800" b="1" dirty="0"/>
+              <a:t> Inhibitory </a:t>
+            </a:r>
+            <a:r>
+              <a:rPr lang="en-US" sz="4800" b="1" dirty="0" smtClean="0"/>
+              <a:t>Rate</a:t>
+            </a:r>
             <a:endParaRPr lang="en-US" sz="4800" b="1" dirty="0"/>
           </a:p>
-          <a:p>
-            <a:pPr algn="ctr"/>
-            <a:r>
-              <a:rPr lang="en-US" sz="4800" b="1" dirty="0"/>
-              <a:t>90 Excitatory </a:t>
-            </a:r>
-            <a:r>
-              <a:rPr lang="en-US" sz="4800" b="1" dirty="0" smtClean="0"/>
-              <a:t>Synapses</a:t>
-            </a:r>
-            <a:endParaRPr lang="en-US" sz="4800" b="1" dirty="0" smtClean="0"/>
-          </a:p>
-          <a:p>
-            <a:pPr algn="ctr"/>
-            <a:r>
-              <a:rPr lang="en-US" sz="4800" b="1" dirty="0" smtClean="0"/>
-              <a:t>5 Hz</a:t>
-            </a:r>
-            <a:r>
-              <a:rPr lang="en-US" sz="4800" b="1" dirty="0"/>
-              <a:t> Spike </a:t>
-            </a:r>
-            <a:r>
-              <a:rPr lang="en-US" sz="4800" b="1" dirty="0" smtClean="0"/>
-              <a:t>Rates</a:t>
-            </a:r>
-          </a:p>
-          <a:p>
-            <a:pPr algn="ctr"/>
-            <a:r>
-              <a:rPr lang="en-US" sz="4800" b="1" dirty="0"/>
-              <a:t>8 Inhibitory </a:t>
-            </a:r>
-            <a:r>
-              <a:rPr lang="en-US" sz="4800" b="1" dirty="0" smtClean="0"/>
-              <a:t>Synapses</a:t>
-            </a:r>
-            <a:endParaRPr lang="en-US" sz="4800" b="1" dirty="0" smtClean="0"/>
-          </a:p>
-          <a:p>
-            <a:pPr algn="ctr"/>
-            <a:r>
-              <a:rPr lang="en-US" sz="4800" b="1" dirty="0" smtClean="0"/>
-              <a:t>70 Hz</a:t>
-            </a:r>
-            <a:r>
-              <a:rPr lang="en-US" sz="4800" b="1" dirty="0"/>
-              <a:t> Spike </a:t>
-            </a:r>
-            <a:r>
-              <a:rPr lang="en-US" sz="4800" b="1" dirty="0" smtClean="0"/>
-              <a:t>Rates</a:t>
-            </a:r>
-            <a:endParaRPr lang="en-US" sz="4800" b="1" dirty="0"/>
-          </a:p>
-        </p:txBody>
-      </p:sp>
-      <p:sp>
-        <p:nvSpPr>
-          <p:cNvPr id="65" name="TextBox 64"/>
+        </p:txBody>
+      </p:sp>
+      <p:sp>
+        <p:nvSpPr>
+          <p:cNvPr id="69" name="TextBox 68"/>
           <p:cNvSpPr txBox="1"/>
           <p:nvPr/>
         </p:nvSpPr>
         <p:spPr>
           <a:xfrm>
-            <a:off x="1127490" y="21758051"/>
-            <a:ext cx="6274282" cy="5262979"/>
+            <a:off x="14616216" y="21758051"/>
+            <a:ext cx="6274282" cy="4524315"/>
           </a:xfrm>
           <a:prstGeom prst="rect">
             <a:avLst/>
@@ -5147,98 +5156,78 @@
           <a:lstStyle/>
           <a:p>
             <a:pPr algn="ctr"/>
-            <a:r>
-              <a:rPr lang="en-US" sz="4800" b="1" dirty="0" smtClean="0"/>
-              <a:t>Low Excitatory </a:t>
-            </a:r>
+            <a:endParaRPr lang="en-US" sz="4800" b="1" dirty="0"/>
+          </a:p>
+          <a:p>
+            <a:pPr algn="ctr"/>
             <a:r>
               <a:rPr lang="en-US" sz="4800" b="1" dirty="0"/>
-              <a:t>Rates</a:t>
+              <a:t>108 Excitatory </a:t>
+            </a:r>
+            <a:r>
+              <a:rPr lang="en-US" sz="4800" b="1" dirty="0" smtClean="0"/>
+              <a:t>Synapses</a:t>
+            </a:r>
+          </a:p>
+          <a:p>
+            <a:pPr algn="ctr"/>
+            <a:r>
+              <a:rPr lang="en-US" sz="4800" b="1" dirty="0" smtClean="0"/>
+              <a:t>5 Hz</a:t>
+            </a:r>
+            <a:r>
+              <a:rPr lang="en-US" sz="4800" b="1" dirty="0"/>
+              <a:t> Excitatory </a:t>
+            </a:r>
+            <a:r>
+              <a:rPr lang="en-US" sz="4800" b="1" dirty="0" smtClean="0"/>
+              <a:t>Rate</a:t>
             </a:r>
             <a:endParaRPr lang="en-US" sz="4800" b="1" dirty="0" smtClean="0"/>
           </a:p>
           <a:p>
             <a:pPr algn="ctr"/>
-            <a:r>
-              <a:rPr lang="en-US" sz="4800" b="1" dirty="0" smtClean="0"/>
-              <a:t>Low Inhibitory </a:t>
-            </a:r>
-            <a:r>
-              <a:rPr lang="en-US" sz="4800" b="1" dirty="0" smtClean="0"/>
-              <a:t>Rates</a:t>
-            </a:r>
-          </a:p>
-          <a:p>
-            <a:pPr algn="ctr"/>
+            <a:endParaRPr lang="en-US" sz="4800" b="1" dirty="0" smtClean="0"/>
+          </a:p>
+          <a:p>
+            <a:pPr algn="ctr"/>
+            <a:r>
+              <a:rPr lang="en-US" sz="4800" b="1" dirty="0"/>
+              <a:t>180 Inhibitory </a:t>
+            </a:r>
+            <a:r>
+              <a:rPr lang="en-US" sz="4800" b="1" dirty="0" smtClean="0"/>
+              <a:t>Synapses</a:t>
+            </a:r>
+          </a:p>
+          <a:p>
+            <a:pPr algn="ctr"/>
+            <a:r>
+              <a:rPr lang="en-US" sz="4800" b="1" dirty="0" smtClean="0"/>
+              <a:t>10 Hz</a:t>
+            </a:r>
+            <a:r>
+              <a:rPr lang="en-US" sz="4800" b="1" dirty="0"/>
+              <a:t> Inhibitory </a:t>
+            </a:r>
+            <a:r>
+              <a:rPr lang="en-US" sz="4800" b="1" dirty="0" smtClean="0"/>
+              <a:t>Rate</a:t>
+            </a:r>
             <a:endParaRPr lang="en-US" sz="4800" b="1" dirty="0"/>
           </a:p>
-          <a:p>
-            <a:pPr algn="ctr"/>
-            <a:r>
-              <a:rPr lang="en-US" sz="4800" b="1" dirty="0"/>
-              <a:t>144 Excitatory </a:t>
-            </a:r>
-            <a:r>
-              <a:rPr lang="en-US" sz="4800" b="1" dirty="0" smtClean="0"/>
-              <a:t>Synapses</a:t>
-            </a:r>
-            <a:endParaRPr lang="en-US" sz="4800" b="1" dirty="0" smtClean="0"/>
-          </a:p>
-          <a:p>
-            <a:pPr algn="ctr"/>
-            <a:r>
-              <a:rPr lang="en-US" sz="4800" b="1" dirty="0" smtClean="0"/>
-              <a:t>5 Hz</a:t>
-            </a:r>
-            <a:r>
-              <a:rPr lang="en-US" sz="4800" b="1" dirty="0"/>
-              <a:t> Spike </a:t>
-            </a:r>
-            <a:r>
-              <a:rPr lang="en-US" sz="4800" b="1" dirty="0" smtClean="0"/>
-              <a:t>Rates</a:t>
-            </a:r>
-          </a:p>
-          <a:p>
-            <a:pPr algn="ctr"/>
-            <a:r>
-              <a:rPr lang="en-US" sz="4800" b="1" dirty="0"/>
-              <a:t>24 Inhibitory </a:t>
-            </a:r>
-            <a:r>
-              <a:rPr lang="en-US" sz="4800" b="1" dirty="0" smtClean="0"/>
-              <a:t>Synapses</a:t>
-            </a:r>
-            <a:endParaRPr lang="en-US" sz="4800" b="1" dirty="0" smtClean="0"/>
-          </a:p>
-          <a:p>
-            <a:pPr algn="ctr"/>
-            <a:r>
-              <a:rPr lang="en-US" sz="4800" b="1" dirty="0" smtClean="0"/>
-              <a:t>30 Hz</a:t>
-            </a:r>
-            <a:r>
-              <a:rPr lang="en-US" sz="4800" b="1" dirty="0"/>
-              <a:t> Spike </a:t>
-            </a:r>
-            <a:r>
-              <a:rPr lang="en-US" sz="4800" b="1" dirty="0" smtClean="0"/>
-              <a:t>Rates</a:t>
-            </a:r>
-            <a:endParaRPr lang="en-US" sz="4800" b="1" dirty="0"/>
-          </a:p>
-        </p:txBody>
-      </p:sp>
-      <p:sp>
-        <p:nvSpPr>
-          <p:cNvPr id="66" name="TextBox 65"/>
+        </p:txBody>
+      </p:sp>
+      <p:sp>
+        <p:nvSpPr>
+          <p:cNvPr id="70" name="TextBox 69"/>
           <p:cNvSpPr txBox="1"/>
           <p:nvPr/>
         </p:nvSpPr>
         <p:spPr>
           <a:xfrm>
-            <a:off x="1325434" y="15043911"/>
-            <a:ext cx="5961697" cy="5262979"/>
+            <a:off x="14657867" y="15043911"/>
+            <a:ext cx="6274282" cy="4524315"/>
           </a:xfrm>
           <a:prstGeom prst="rect">
             <a:avLst/>
@@ -5252,428 +5241,6 @@
           <a:lstStyle/>
           <a:p>
             <a:pPr algn="ctr"/>
-            <a:r>
-              <a:rPr lang="en-US" sz="4800" b="1" dirty="0" smtClean="0"/>
-              <a:t>High Excitatory </a:t>
-            </a:r>
-            <a:r>
-              <a:rPr lang="en-US" sz="4800" b="1" dirty="0"/>
-              <a:t>Rates</a:t>
-            </a:r>
-            <a:endParaRPr lang="en-US" sz="4800" b="1" dirty="0" smtClean="0"/>
-          </a:p>
-          <a:p>
-            <a:pPr algn="ctr"/>
-            <a:r>
-              <a:rPr lang="en-US" sz="4800" b="1" dirty="0" smtClean="0"/>
-              <a:t>Low Inhibitory </a:t>
-            </a:r>
-            <a:r>
-              <a:rPr lang="en-US" sz="4800" b="1" dirty="0"/>
-              <a:t>Rates</a:t>
-            </a:r>
-            <a:endParaRPr lang="en-US" sz="4800" b="1" dirty="0" smtClean="0"/>
-          </a:p>
-          <a:p>
-            <a:pPr algn="ctr"/>
-            <a:endParaRPr lang="en-US" sz="4800" b="1" dirty="0"/>
-          </a:p>
-          <a:p>
-            <a:pPr algn="ctr"/>
-            <a:r>
-              <a:rPr lang="en-US" sz="4800" b="1" dirty="0" smtClean="0"/>
-              <a:t>18 Excitatory Synapses</a:t>
-            </a:r>
-          </a:p>
-          <a:p>
-            <a:pPr algn="ctr"/>
-            <a:r>
-              <a:rPr lang="en-US" sz="4800" b="1" dirty="0" smtClean="0"/>
-              <a:t>30 Hz Spike Rates</a:t>
-            </a:r>
-          </a:p>
-          <a:p>
-            <a:pPr algn="ctr"/>
-            <a:r>
-              <a:rPr lang="en-US" sz="4800" b="1" dirty="0" smtClean="0"/>
-              <a:t>32 Inhibitory Synapses</a:t>
-            </a:r>
-          </a:p>
-          <a:p>
-            <a:pPr algn="ctr"/>
-            <a:r>
-              <a:rPr lang="en-US" sz="4800" b="1" dirty="0" smtClean="0"/>
-              <a:t>40 Hz Spike Rates</a:t>
-            </a:r>
-            <a:endParaRPr lang="en-US" sz="4800" b="1" dirty="0"/>
-          </a:p>
-        </p:txBody>
-      </p:sp>
-      <p:sp>
-        <p:nvSpPr>
-          <p:cNvPr id="67" name="TextBox 66"/>
-          <p:cNvSpPr txBox="1"/>
-          <p:nvPr/>
-        </p:nvSpPr>
-        <p:spPr>
-          <a:xfrm>
-            <a:off x="21383719" y="15008051"/>
-            <a:ext cx="6274282" cy="5262979"/>
-          </a:xfrm>
-          <a:prstGeom prst="rect">
-            <a:avLst/>
-          </a:prstGeom>
-          <a:noFill/>
-        </p:spPr>
-        <p:txBody>
-          <a:bodyPr wrap="none" rtlCol="0">
-            <a:spAutoFit/>
-          </a:bodyPr>
-          <a:lstStyle/>
-          <a:p>
-            <a:pPr algn="ctr"/>
-            <a:r>
-              <a:rPr lang="en-US" sz="4800" b="1" dirty="0" smtClean="0"/>
-              <a:t>High Excitatory </a:t>
-            </a:r>
-            <a:r>
-              <a:rPr lang="en-US" sz="4800" b="1" dirty="0"/>
-              <a:t>Rates</a:t>
-            </a:r>
-            <a:endParaRPr lang="en-US" sz="4800" b="1" dirty="0" smtClean="0"/>
-          </a:p>
-          <a:p>
-            <a:pPr algn="ctr"/>
-            <a:r>
-              <a:rPr lang="en-US" sz="4800" b="1" dirty="0" smtClean="0"/>
-              <a:t>High Inhibitory </a:t>
-            </a:r>
-            <a:r>
-              <a:rPr lang="en-US" sz="4800" b="1" dirty="0"/>
-              <a:t>Rates</a:t>
-            </a:r>
-            <a:endParaRPr lang="en-US" sz="4800" b="1" dirty="0" smtClean="0"/>
-          </a:p>
-          <a:p>
-            <a:pPr algn="ctr"/>
-            <a:endParaRPr lang="en-US" sz="4800" b="1" dirty="0"/>
-          </a:p>
-          <a:p>
-            <a:pPr algn="ctr"/>
-            <a:r>
-              <a:rPr lang="en-US" sz="4800" b="1" dirty="0"/>
-              <a:t>450 Excitatory </a:t>
-            </a:r>
-            <a:r>
-              <a:rPr lang="en-US" sz="4800" b="1" dirty="0" smtClean="0"/>
-              <a:t>Synapses</a:t>
-            </a:r>
-            <a:endParaRPr lang="en-US" sz="4800" b="1" dirty="0" smtClean="0"/>
-          </a:p>
-          <a:p>
-            <a:pPr algn="ctr"/>
-            <a:r>
-              <a:rPr lang="en-US" sz="4800" b="1" dirty="0" smtClean="0"/>
-              <a:t>25 Hz</a:t>
-            </a:r>
-            <a:r>
-              <a:rPr lang="en-US" sz="4800" b="1" dirty="0"/>
-              <a:t> Spike </a:t>
-            </a:r>
-            <a:r>
-              <a:rPr lang="en-US" sz="4800" b="1" dirty="0" smtClean="0"/>
-              <a:t>Rates</a:t>
-            </a:r>
-          </a:p>
-          <a:p>
-            <a:pPr algn="ctr"/>
-            <a:r>
-              <a:rPr lang="en-US" sz="4800" b="1" dirty="0"/>
-              <a:t>328 Inhibitory </a:t>
-            </a:r>
-            <a:r>
-              <a:rPr lang="en-US" sz="4800" b="1" dirty="0" smtClean="0"/>
-              <a:t>Synapses</a:t>
-            </a:r>
-            <a:endParaRPr lang="en-US" sz="4800" b="1" dirty="0" smtClean="0"/>
-          </a:p>
-          <a:p>
-            <a:pPr algn="ctr"/>
-            <a:r>
-              <a:rPr lang="en-US" sz="4800" b="1" dirty="0" smtClean="0"/>
-              <a:t>70 Hz</a:t>
-            </a:r>
-            <a:r>
-              <a:rPr lang="en-US" sz="4800" b="1" dirty="0"/>
-              <a:t> Spike </a:t>
-            </a:r>
-            <a:r>
-              <a:rPr lang="en-US" sz="4800" b="1" dirty="0" smtClean="0"/>
-              <a:t>Rates</a:t>
-            </a:r>
-            <a:endParaRPr lang="en-US" sz="4800" b="1" dirty="0"/>
-          </a:p>
-        </p:txBody>
-      </p:sp>
-      <p:sp>
-        <p:nvSpPr>
-          <p:cNvPr id="68" name="TextBox 67"/>
-          <p:cNvSpPr txBox="1"/>
-          <p:nvPr/>
-        </p:nvSpPr>
-        <p:spPr>
-          <a:xfrm>
-            <a:off x="21257472" y="21758051"/>
-            <a:ext cx="6274282" cy="5262979"/>
-          </a:xfrm>
-          <a:prstGeom prst="rect">
-            <a:avLst/>
-          </a:prstGeom>
-          <a:noFill/>
-        </p:spPr>
-        <p:txBody>
-          <a:bodyPr wrap="none" rtlCol="0">
-            <a:spAutoFit/>
-          </a:bodyPr>
-          <a:lstStyle/>
-          <a:p>
-            <a:pPr algn="ctr"/>
-            <a:r>
-              <a:rPr lang="en-US" sz="4800" b="1" dirty="0" smtClean="0"/>
-              <a:t>Low Excitatory </a:t>
-            </a:r>
-            <a:r>
-              <a:rPr lang="en-US" sz="4800" b="1" dirty="0"/>
-              <a:t>Rates</a:t>
-            </a:r>
-            <a:endParaRPr lang="en-US" sz="4800" b="1" dirty="0" smtClean="0"/>
-          </a:p>
-          <a:p>
-            <a:pPr algn="ctr"/>
-            <a:r>
-              <a:rPr lang="en-US" sz="4800" b="1" dirty="0" smtClean="0"/>
-              <a:t>High Inhibitory </a:t>
-            </a:r>
-            <a:r>
-              <a:rPr lang="en-US" sz="4800" b="1" dirty="0"/>
-              <a:t>Rates</a:t>
-            </a:r>
-            <a:endParaRPr lang="en-US" sz="4800" b="1" dirty="0" smtClean="0"/>
-          </a:p>
-          <a:p>
-            <a:pPr algn="ctr"/>
-            <a:endParaRPr lang="en-US" sz="4800" b="1" dirty="0"/>
-          </a:p>
-          <a:p>
-            <a:pPr algn="ctr"/>
-            <a:r>
-              <a:rPr lang="en-US" sz="4800" b="1" dirty="0"/>
-              <a:t>648 Excitatory </a:t>
-            </a:r>
-            <a:r>
-              <a:rPr lang="en-US" sz="4800" b="1" dirty="0" smtClean="0"/>
-              <a:t>Synapses</a:t>
-            </a:r>
-            <a:endParaRPr lang="en-US" sz="4800" b="1" dirty="0" smtClean="0"/>
-          </a:p>
-          <a:p>
-            <a:pPr algn="ctr"/>
-            <a:r>
-              <a:rPr lang="en-US" sz="4800" b="1" dirty="0" smtClean="0"/>
-              <a:t>10 Hz</a:t>
-            </a:r>
-            <a:r>
-              <a:rPr lang="en-US" sz="4800" b="1" dirty="0"/>
-              <a:t> Spike </a:t>
-            </a:r>
-            <a:r>
-              <a:rPr lang="en-US" sz="4800" b="1" dirty="0" smtClean="0"/>
-              <a:t>Rates</a:t>
-            </a:r>
-          </a:p>
-          <a:p>
-            <a:pPr algn="ctr"/>
-            <a:r>
-              <a:rPr lang="en-US" sz="4800" b="1" dirty="0"/>
-              <a:t>236 Inhibitory </a:t>
-            </a:r>
-            <a:r>
-              <a:rPr lang="en-US" sz="4800" b="1" dirty="0" smtClean="0"/>
-              <a:t>Synapses</a:t>
-            </a:r>
-            <a:endParaRPr lang="en-US" sz="4800" b="1" dirty="0" smtClean="0"/>
-          </a:p>
-          <a:p>
-            <a:pPr algn="ctr"/>
-            <a:r>
-              <a:rPr lang="en-US" sz="4800" b="1" dirty="0" smtClean="0"/>
-              <a:t>70 Hz</a:t>
-            </a:r>
-            <a:r>
-              <a:rPr lang="en-US" sz="4800" b="1" dirty="0"/>
-              <a:t> Spike </a:t>
-            </a:r>
-            <a:r>
-              <a:rPr lang="en-US" sz="4800" b="1" dirty="0" smtClean="0"/>
-              <a:t>Rates</a:t>
-            </a:r>
-            <a:endParaRPr lang="en-US" sz="4800" b="1" dirty="0"/>
-          </a:p>
-        </p:txBody>
-      </p:sp>
-      <p:sp>
-        <p:nvSpPr>
-          <p:cNvPr id="69" name="TextBox 68"/>
-          <p:cNvSpPr txBox="1"/>
-          <p:nvPr/>
-        </p:nvSpPr>
-        <p:spPr>
-          <a:xfrm>
-            <a:off x="14616216" y="21758051"/>
-            <a:ext cx="6274282" cy="5262979"/>
-          </a:xfrm>
-          <a:prstGeom prst="rect">
-            <a:avLst/>
-          </a:prstGeom>
-          <a:noFill/>
-        </p:spPr>
-        <p:txBody>
-          <a:bodyPr wrap="none" rtlCol="0">
-            <a:spAutoFit/>
-          </a:bodyPr>
-          <a:lstStyle/>
-          <a:p>
-            <a:pPr algn="ctr"/>
-            <a:r>
-              <a:rPr lang="en-US" sz="4800" b="1" dirty="0" smtClean="0"/>
-              <a:t>Low Excitatory </a:t>
-            </a:r>
-            <a:r>
-              <a:rPr lang="en-US" sz="4800" b="1" dirty="0"/>
-              <a:t>Rates</a:t>
-            </a:r>
-            <a:endParaRPr lang="en-US" sz="4800" b="1" dirty="0" smtClean="0"/>
-          </a:p>
-          <a:p>
-            <a:pPr algn="ctr"/>
-            <a:r>
-              <a:rPr lang="en-US" sz="4800" b="1" dirty="0" smtClean="0"/>
-              <a:t>Low Inhibitory </a:t>
-            </a:r>
-            <a:r>
-              <a:rPr lang="en-US" sz="4800" b="1" dirty="0"/>
-              <a:t>Rates</a:t>
-            </a:r>
-            <a:endParaRPr lang="en-US" sz="4800" b="1" dirty="0" smtClean="0"/>
-          </a:p>
-          <a:p>
-            <a:pPr algn="ctr"/>
-            <a:endParaRPr lang="en-US" sz="4800" b="1" dirty="0"/>
-          </a:p>
-          <a:p>
-            <a:pPr algn="ctr"/>
-            <a:r>
-              <a:rPr lang="en-US" sz="4800" b="1" dirty="0"/>
-              <a:t>108 Excitatory </a:t>
-            </a:r>
-            <a:r>
-              <a:rPr lang="en-US" sz="4800" b="1" dirty="0" smtClean="0"/>
-              <a:t>Synapses</a:t>
-            </a:r>
-            <a:endParaRPr lang="en-US" sz="4800" b="1" dirty="0" smtClean="0"/>
-          </a:p>
-          <a:p>
-            <a:pPr algn="ctr"/>
-            <a:r>
-              <a:rPr lang="en-US" sz="4800" b="1" dirty="0" smtClean="0"/>
-              <a:t>5 Hz</a:t>
-            </a:r>
-            <a:r>
-              <a:rPr lang="en-US" sz="4800" b="1" dirty="0"/>
-              <a:t> Spike </a:t>
-            </a:r>
-            <a:r>
-              <a:rPr lang="en-US" sz="4800" b="1" dirty="0" smtClean="0"/>
-              <a:t>Rates</a:t>
-            </a:r>
-          </a:p>
-          <a:p>
-            <a:pPr algn="ctr"/>
-            <a:r>
-              <a:rPr lang="en-US" sz="4800" b="1" dirty="0"/>
-              <a:t>180 Inhibitory </a:t>
-            </a:r>
-            <a:r>
-              <a:rPr lang="en-US" sz="4800" b="1" dirty="0" smtClean="0"/>
-              <a:t>Synapses</a:t>
-            </a:r>
-            <a:endParaRPr lang="en-US" sz="4800" b="1" dirty="0" smtClean="0"/>
-          </a:p>
-          <a:p>
-            <a:pPr algn="ctr"/>
-            <a:r>
-              <a:rPr lang="en-US" sz="4800" b="1" dirty="0" smtClean="0"/>
-              <a:t>10 Hz</a:t>
-            </a:r>
-            <a:r>
-              <a:rPr lang="en-US" sz="4800" b="1" dirty="0"/>
-              <a:t> Spike </a:t>
-            </a:r>
-            <a:r>
-              <a:rPr lang="en-US" sz="4800" b="1" dirty="0" smtClean="0"/>
-              <a:t>Rates</a:t>
-            </a:r>
-            <a:endParaRPr lang="en-US" sz="4800" b="1" dirty="0"/>
-          </a:p>
-        </p:txBody>
-      </p:sp>
-      <p:sp>
-        <p:nvSpPr>
-          <p:cNvPr id="70" name="TextBox 69"/>
-          <p:cNvSpPr txBox="1"/>
-          <p:nvPr/>
-        </p:nvSpPr>
-        <p:spPr>
-          <a:xfrm>
-            <a:off x="14657867" y="15043911"/>
-            <a:ext cx="6274282" cy="5262979"/>
-          </a:xfrm>
-          <a:prstGeom prst="rect">
-            <a:avLst/>
-          </a:prstGeom>
-          <a:noFill/>
-        </p:spPr>
-        <p:txBody>
-          <a:bodyPr wrap="none" rtlCol="0">
-            <a:spAutoFit/>
-          </a:bodyPr>
-          <a:lstStyle/>
-          <a:p>
-            <a:pPr algn="ctr"/>
-            <a:r>
-              <a:rPr lang="en-US" sz="4800" b="1" dirty="0" smtClean="0"/>
-              <a:t>High Excitatory </a:t>
-            </a:r>
-            <a:r>
-              <a:rPr lang="en-US" sz="4800" b="1" dirty="0"/>
-              <a:t>Rates</a:t>
-            </a:r>
-            <a:endParaRPr lang="en-US" sz="4800" b="1" dirty="0" smtClean="0"/>
-          </a:p>
-          <a:p>
-            <a:pPr algn="ctr"/>
-            <a:r>
-              <a:rPr lang="en-US" sz="4800" b="1" dirty="0" smtClean="0"/>
-              <a:t>Low Inhibitory </a:t>
-            </a:r>
-            <a:r>
-              <a:rPr lang="en-US" sz="4800" b="1" dirty="0"/>
-              <a:t>Rates</a:t>
-            </a:r>
-            <a:endParaRPr lang="en-US" sz="4800" b="1" dirty="0" smtClean="0"/>
-          </a:p>
-          <a:p>
-            <a:pPr algn="ctr"/>
             <a:endParaRPr lang="en-US" sz="4800" b="1" dirty="0"/>
           </a:p>
           <a:p>
@@ -5686,22 +5253,26 @@
               <a:rPr lang="en-US" sz="4800" b="1" dirty="0" smtClean="0"/>
               <a:t>Synapses</a:t>
             </a:r>
+          </a:p>
+          <a:p>
+            <a:pPr algn="ctr"/>
+            <a:r>
+              <a:rPr lang="en-US" sz="4800" b="1" dirty="0" smtClean="0"/>
+              <a:t>20 Hz</a:t>
+            </a:r>
+            <a:r>
+              <a:rPr lang="en-US" sz="4800" b="1" dirty="0"/>
+              <a:t> Excitatory </a:t>
+            </a:r>
+            <a:r>
+              <a:rPr lang="en-US" sz="4800" b="1" dirty="0" smtClean="0"/>
+              <a:t>Rate</a:t>
+            </a:r>
             <a:endParaRPr lang="en-US" sz="4800" b="1" dirty="0" smtClean="0"/>
           </a:p>
           <a:p>
             <a:pPr algn="ctr"/>
-            <a:r>
-              <a:rPr lang="en-US" sz="4800" b="1" dirty="0" smtClean="0"/>
-              <a:t>20 Hz</a:t>
-            </a:r>
-            <a:r>
-              <a:rPr lang="en-US" sz="4800" b="1" dirty="0"/>
-              <a:t> Spike </a:t>
-            </a:r>
-            <a:r>
-              <a:rPr lang="en-US" sz="4800" b="1" dirty="0" smtClean="0"/>
-              <a:t>Rates</a:t>
-            </a:r>
+            <a:endParaRPr lang="en-US" sz="4800" b="1" dirty="0" smtClean="0"/>
           </a:p>
           <a:p>
             <a:pPr algn="ctr"/>
@@ -5713,7 +5284,6 @@
               <a:rPr lang="en-US" sz="4800" b="1" dirty="0" smtClean="0"/>
               <a:t>Synapses</a:t>
             </a:r>
-            <a:endParaRPr lang="en-US" sz="4800" b="1" dirty="0" smtClean="0"/>
           </a:p>
           <a:p>
             <a:pPr algn="ctr"/>
@@ -5723,11 +5293,11 @@
             </a:r>
             <a:r>
               <a:rPr lang="en-US" sz="4800" b="1" dirty="0"/>
-              <a:t> Spike </a:t>
-            </a:r>
-            <a:r>
-              <a:rPr lang="en-US" sz="4800" b="1" dirty="0" smtClean="0"/>
-              <a:t>Rates</a:t>
+              <a:t> Inhibitory </a:t>
+            </a:r>
+            <a:r>
+              <a:rPr lang="en-US" sz="4800" b="1" dirty="0" smtClean="0"/>
+              <a:t>Rate</a:t>
             </a:r>
             <a:endParaRPr lang="en-US" sz="4800" b="1" dirty="0"/>
           </a:p>
@@ -6185,7 +5755,7 @@
   <a:extraClrSchemeLst/>
   <a:extLst>
     <a:ext uri="{05A4C25C-085E-4340-85A3-A5531E510DB2}">
-      <thm15:themeFamily xmlns:thm15="http://schemas.microsoft.com/office/thememl/2012/main" name="Office Theme" id="{62F939B6-93AF-4DB8-9C6B-D6C7DFDC589F}" vid="{4A3C46E8-61CC-4603-A589-7422A47A8E4A}"/>
+      <thm15:themeFamily xmlns:thm15="http://schemas.microsoft.com/office/thememl/2012/main" xmlns="" name="Office Theme" id="{62F939B6-93AF-4DB8-9C6B-D6C7DFDC589F}" vid="{4A3C46E8-61CC-4603-A589-7422A47A8E4A}"/>
     </a:ext>
   </a:extLst>
 </a:theme>
@@ -6446,7 +6016,7 @@
   <a:extraClrSchemeLst/>
   <a:extLst>
     <a:ext uri="{05A4C25C-085E-4340-85A3-A5531E510DB2}">
-      <thm15:themeFamily xmlns:thm15="http://schemas.microsoft.com/office/thememl/2012/main" name="Office Theme" id="{62F939B6-93AF-4DB8-9C6B-D6C7DFDC589F}" vid="{4A3C46E8-61CC-4603-A589-7422A47A8E4A}"/>
+      <thm15:themeFamily xmlns:thm15="http://schemas.microsoft.com/office/thememl/2012/main" xmlns="" name="Office Theme" id="{62F939B6-93AF-4DB8-9C6B-D6C7DFDC589F}" vid="{4A3C46E8-61CC-4603-A589-7422A47A8E4A}"/>
     </a:ext>
   </a:extLst>
 </a:theme>
